--- a/Презентация/InfoWallHub Пушило Александр.pptx
+++ b/Презентация/InfoWallHub Пушило Александр.pptx
@@ -136,6 +136,7 @@
 <p1510:revInfo xmlns:a="http://schemas.openxmlformats.org/drawingml/2006/main" xmlns:r="http://schemas.openxmlformats.org/officeDocument/2006/relationships" xmlns:p1510="http://schemas.microsoft.com/office/powerpoint/2015/10/main">
   <p1510:revLst>
     <p1510:client id="{1A74F8D1-22DB-43FF-A95B-BD0B38C124BA}" v="751" dt="2022-08-15T17:34:39.992"/>
+    <p1510:client id="{AFBE7B61-AB0B-46BB-8081-EFD8AFE75BBB}" v="5" dt="2022-08-15T18:02:31.512"/>
   </p1510:revLst>
 </p1510:revInfo>
 </file>
@@ -6953,6 +6954,14 @@
 <file path=ppt/slides/slide7.xml><?xml version="1.0" encoding="utf-8"?>
 <p:sld xmlns:a="http://schemas.openxmlformats.org/drawingml/2006/main" xmlns:r="http://schemas.openxmlformats.org/officeDocument/2006/relationships" xmlns:p="http://schemas.openxmlformats.org/presentationml/2006/main">
   <p:cSld>
+    <p:bg>
+      <p:bgPr>
+        <a:solidFill>
+          <a:schemeClr val="bg2"/>
+        </a:solidFill>
+        <a:effectLst/>
+      </p:bgPr>
+    </p:bg>
     <p:spTree>
       <p:nvGrpSpPr>
         <p:cNvPr id="1" name=""/>
@@ -6967,32 +6976,115 @@
           <a:chExt cx="0" cy="0"/>
         </a:xfrm>
       </p:grpSpPr>
-      <p:sp>
-        <p:nvSpPr>
-          <p:cNvPr id="2" name="Заголовок 1">
-            <a:extLst>
-              <a:ext uri="{FF2B5EF4-FFF2-40B4-BE49-F238E27FC236}">
-                <a16:creationId xmlns:a16="http://schemas.microsoft.com/office/drawing/2014/main" id="{FB4EE401-949A-54DA-E9BD-5FA4739CA54E}"/>
-              </a:ext>
-            </a:extLst>
-          </p:cNvPr>
-          <p:cNvSpPr>
-            <a:spLocks noGrp="1"/>
-          </p:cNvSpPr>
-          <p:nvPr>
-            <p:ph type="title"/>
+      <p:sp useBgFill="1">
+        <p:nvSpPr>
+          <p:cNvPr id="11" name="Rectangle 10">
+            <a:extLst>
+              <a:ext uri="{FF2B5EF4-FFF2-40B4-BE49-F238E27FC236}">
+                <a16:creationId xmlns:a16="http://schemas.microsoft.com/office/drawing/2014/main" id="{DB66C9CD-6BF4-44CA-8078-0BB819080761}"/>
+              </a:ext>
+              <a:ext uri="{C183D7F6-B498-43B3-948B-1728B52AA6E4}">
+                <adec:decorative xmlns:adec="http://schemas.microsoft.com/office/drawing/2017/decorative" val="1"/>
+              </a:ext>
+            </a:extLst>
+          </p:cNvPr>
+          <p:cNvSpPr>
+            <a:spLocks noGrp="1" noRot="1" noChangeAspect="1" noMove="1" noResize="1" noEditPoints="1" noAdjustHandles="1" noChangeArrowheads="1" noChangeShapeType="1" noTextEdit="1"/>
+          </p:cNvSpPr>
+          <p:nvPr>
+            <p:extLst>
+              <p:ext uri="{386F3935-93C4-4BCD-93E2-E3B085C9AB24}">
+                <p16:designElem xmlns:p16="http://schemas.microsoft.com/office/powerpoint/2015/main" val="1"/>
+              </p:ext>
+            </p:extLst>
           </p:nvPr>
         </p:nvSpPr>
         <p:spPr>
           <a:xfrm>
-            <a:off x="989400" y="395289"/>
-            <a:ext cx="10213200" cy="657753"/>
+            <a:off x="0" y="0"/>
+            <a:ext cx="12192000" cy="6858000"/>
+          </a:xfrm>
+          <a:prstGeom prst="rect">
+            <a:avLst/>
+          </a:prstGeom>
+          <a:ln w="12700" cap="flat" cmpd="sng" algn="ctr">
+            <a:noFill/>
+            <a:prstDash val="solid"/>
+            <a:miter lim="800000"/>
+          </a:ln>
+          <a:effectLst/>
+          <a:extLst>
+            <a:ext uri="{91240B29-F687-4F45-9708-019B960494DF}">
+              <a14:hiddenLine xmlns:a14="http://schemas.microsoft.com/office/drawing/2010/main" w="12700" cap="flat" cmpd="sng" algn="ctr">
+                <a:solidFill>
+                  <a:schemeClr val="accent1">
+                    <a:shade val="50000"/>
+                  </a:schemeClr>
+                </a:solidFill>
+                <a:prstDash val="solid"/>
+                <a:miter lim="800000"/>
+              </a14:hiddenLine>
+            </a:ext>
+          </a:extLst>
+        </p:spPr>
+        <p:style>
+          <a:lnRef idx="2">
+            <a:schemeClr val="accent1">
+              <a:shade val="50000"/>
+            </a:schemeClr>
+          </a:lnRef>
+          <a:fillRef idx="1">
+            <a:schemeClr val="accent1"/>
+          </a:fillRef>
+          <a:effectRef idx="0">
+            <a:schemeClr val="accent1"/>
+          </a:effectRef>
+          <a:fontRef idx="minor">
+            <a:schemeClr val="lt1"/>
+          </a:fontRef>
+        </p:style>
+        <p:txBody>
+          <a:bodyPr rtlCol="0" anchor="ctr"/>
+          <a:lstStyle/>
+          <a:p>
+            <a:pPr algn="ctr"/>
+            <a:endParaRPr lang="en-US"/>
+          </a:p>
+        </p:txBody>
+      </p:sp>
+      <p:sp>
+        <p:nvSpPr>
+          <p:cNvPr id="2" name="Заголовок 1">
+            <a:extLst>
+              <a:ext uri="{FF2B5EF4-FFF2-40B4-BE49-F238E27FC236}">
+                <a16:creationId xmlns:a16="http://schemas.microsoft.com/office/drawing/2014/main" id="{FB4EE401-949A-54DA-E9BD-5FA4739CA54E}"/>
+              </a:ext>
+            </a:extLst>
+          </p:cNvPr>
+          <p:cNvSpPr>
+            <a:spLocks noGrp="1"/>
+          </p:cNvSpPr>
+          <p:nvPr>
+            <p:ph type="title"/>
+          </p:nvPr>
+        </p:nvSpPr>
+        <p:spPr>
+          <a:xfrm>
+            <a:off x="990000" y="536575"/>
+            <a:ext cx="4078800" cy="1453003"/>
           </a:xfrm>
         </p:spPr>
         <p:txBody>
-          <a:bodyPr/>
+          <a:bodyPr wrap="square" anchor="b">
+            <a:normAutofit/>
+          </a:bodyPr>
           <a:lstStyle/>
           <a:p>
+            <a:pPr algn="ctr">
+              <a:lnSpc>
+                <a:spcPct val="90000"/>
+              </a:lnSpc>
+            </a:pPr>
             <a:r>
               <a:rPr lang="ru-RU" dirty="0">
                 <a:ea typeface="+mj-lt"/>
@@ -7014,7 +7106,433 @@
               </a:rPr>
               <a:t>"</a:t>
             </a:r>
-            <a:endParaRPr lang="ru-RU" dirty="0"/>
+            <a:endParaRPr lang="ru-RU"/>
+          </a:p>
+        </p:txBody>
+      </p:sp>
+      <p:cxnSp>
+        <p:nvCxnSpPr>
+          <p:cNvPr id="13" name="Straight Connector 12">
+            <a:extLst>
+              <a:ext uri="{FF2B5EF4-FFF2-40B4-BE49-F238E27FC236}">
+                <a16:creationId xmlns:a16="http://schemas.microsoft.com/office/drawing/2014/main" id="{76D745DA-D03E-47A2-9936-01C39D51A469}"/>
+              </a:ext>
+              <a:ext uri="{C183D7F6-B498-43B3-948B-1728B52AA6E4}">
+                <adec:decorative xmlns:adec="http://schemas.microsoft.com/office/drawing/2017/decorative" val="1"/>
+              </a:ext>
+            </a:extLst>
+          </p:cNvPr>
+          <p:cNvCxnSpPr>
+            <a:cxnSpLocks noGrp="1" noRot="1" noChangeAspect="1" noMove="1" noResize="1" noEditPoints="1" noAdjustHandles="1" noChangeArrowheads="1" noChangeShapeType="1"/>
+          </p:cNvCxnSpPr>
+          <p:nvPr>
+            <p:extLst>
+              <p:ext uri="{386F3935-93C4-4BCD-93E2-E3B085C9AB24}">
+                <p16:designElem xmlns:p16="http://schemas.microsoft.com/office/powerpoint/2015/main" val="1"/>
+              </p:ext>
+            </p:extLst>
+          </p:nvPr>
+        </p:nvCxnSpPr>
+        <p:spPr>
+          <a:xfrm>
+            <a:off x="2759400" y="2428148"/>
+            <a:ext cx="540000" cy="0"/>
+          </a:xfrm>
+          <a:prstGeom prst="line">
+            <a:avLst/>
+          </a:prstGeom>
+          <a:ln w="12700">
+            <a:solidFill>
+              <a:srgbClr val="FFFFFF"/>
+            </a:solidFill>
+          </a:ln>
+        </p:spPr>
+        <p:style>
+          <a:lnRef idx="1">
+            <a:schemeClr val="accent1"/>
+          </a:lnRef>
+          <a:fillRef idx="0">
+            <a:schemeClr val="accent1"/>
+          </a:fillRef>
+          <a:effectRef idx="0">
+            <a:schemeClr val="accent1"/>
+          </a:effectRef>
+          <a:fontRef idx="minor">
+            <a:schemeClr val="tx1"/>
+          </a:fontRef>
+        </p:style>
+      </p:cxnSp>
+      <p:sp>
+        <p:nvSpPr>
+          <p:cNvPr id="8" name="Content Placeholder 7">
+            <a:extLst>
+              <a:ext uri="{FF2B5EF4-FFF2-40B4-BE49-F238E27FC236}">
+                <a16:creationId xmlns:a16="http://schemas.microsoft.com/office/drawing/2014/main" id="{266E5923-FDA8-AD68-62AC-8FFA35B012A8}"/>
+              </a:ext>
+            </a:extLst>
+          </p:cNvPr>
+          <p:cNvSpPr>
+            <a:spLocks noGrp="1"/>
+          </p:cNvSpPr>
+          <p:nvPr>
+            <p:ph idx="1"/>
+          </p:nvPr>
+        </p:nvSpPr>
+        <p:spPr>
+          <a:xfrm>
+            <a:off x="527804" y="2877018"/>
+            <a:ext cx="5153094" cy="2901482"/>
+          </a:xfrm>
+        </p:spPr>
+        <p:txBody>
+          <a:bodyPr vert="horz" lIns="91440" tIns="45720" rIns="91440" bIns="45720" rtlCol="0" anchor="t">
+            <a:normAutofit fontScale="85000" lnSpcReduction="10000"/>
+          </a:bodyPr>
+          <a:lstStyle/>
+          <a:p>
+            <a:pPr marL="359410" indent="-359410"/>
+            <a:r>
+              <a:rPr lang="en-US" dirty="0" err="1">
+                <a:solidFill>
+                  <a:srgbClr val="000000">
+                    <a:alpha val="60000"/>
+                  </a:srgbClr>
+                </a:solidFill>
+              </a:rPr>
+              <a:t>Пользователи</a:t>
+            </a:r>
+            <a:r>
+              <a:rPr lang="en-US" dirty="0">
+                <a:solidFill>
+                  <a:srgbClr val="000000">
+                    <a:alpha val="60000"/>
+                  </a:srgbClr>
+                </a:solidFill>
+              </a:rPr>
+              <a:t> </a:t>
+            </a:r>
+            <a:r>
+              <a:rPr lang="en-US" dirty="0" err="1">
+                <a:solidFill>
+                  <a:srgbClr val="000000">
+                    <a:alpha val="60000"/>
+                  </a:srgbClr>
+                </a:solidFill>
+              </a:rPr>
+              <a:t>смогут</a:t>
+            </a:r>
+            <a:r>
+              <a:rPr lang="en-US" dirty="0">
+                <a:solidFill>
+                  <a:srgbClr val="000000">
+                    <a:alpha val="60000"/>
+                  </a:srgbClr>
+                </a:solidFill>
+              </a:rPr>
+              <a:t> </a:t>
+            </a:r>
+            <a:r>
+              <a:rPr lang="en-US" dirty="0" err="1">
+                <a:solidFill>
+                  <a:srgbClr val="000000">
+                    <a:alpha val="60000"/>
+                  </a:srgbClr>
+                </a:solidFill>
+              </a:rPr>
+              <a:t>свои</a:t>
+            </a:r>
+            <a:r>
+              <a:rPr lang="en-US" dirty="0">
+                <a:solidFill>
+                  <a:srgbClr val="000000">
+                    <a:alpha val="60000"/>
+                  </a:srgbClr>
+                </a:solidFill>
+              </a:rPr>
+              <a:t> </a:t>
+            </a:r>
+            <a:r>
+              <a:rPr lang="en-US" dirty="0" err="1">
+                <a:solidFill>
+                  <a:srgbClr val="000000">
+                    <a:alpha val="60000"/>
+                  </a:srgbClr>
+                </a:solidFill>
+              </a:rPr>
+              <a:t>пресеты</a:t>
+            </a:r>
+            <a:r>
+              <a:rPr lang="en-US" dirty="0">
+                <a:solidFill>
+                  <a:srgbClr val="000000">
+                    <a:alpha val="60000"/>
+                  </a:srgbClr>
+                </a:solidFill>
+              </a:rPr>
+              <a:t> </a:t>
+            </a:r>
+            <a:r>
+              <a:rPr lang="en-US" dirty="0" err="1">
+                <a:solidFill>
+                  <a:srgbClr val="000000">
+                    <a:alpha val="60000"/>
+                  </a:srgbClr>
+                </a:solidFill>
+              </a:rPr>
+              <a:t>делать</a:t>
+            </a:r>
+            <a:r>
+              <a:rPr lang="en-US" dirty="0">
+                <a:solidFill>
+                  <a:srgbClr val="000000">
+                    <a:alpha val="60000"/>
+                  </a:srgbClr>
+                </a:solidFill>
+              </a:rPr>
+              <a:t> </a:t>
+            </a:r>
+            <a:r>
+              <a:rPr lang="en-US" dirty="0" err="1">
+                <a:solidFill>
+                  <a:srgbClr val="000000">
+                    <a:alpha val="60000"/>
+                  </a:srgbClr>
+                </a:solidFill>
+              </a:rPr>
+              <a:t>публичными</a:t>
+            </a:r>
+            <a:r>
+              <a:rPr lang="en-US" dirty="0">
+                <a:solidFill>
+                  <a:srgbClr val="000000">
+                    <a:alpha val="60000"/>
+                  </a:srgbClr>
+                </a:solidFill>
+              </a:rPr>
+              <a:t>.</a:t>
+            </a:r>
+          </a:p>
+          <a:p>
+            <a:pPr marL="359410" indent="-359410"/>
+            <a:r>
+              <a:rPr lang="en-US" dirty="0" err="1"/>
+              <a:t>Пользователи</a:t>
+            </a:r>
+            <a:r>
+              <a:rPr lang="en-US" dirty="0"/>
+              <a:t> </a:t>
+            </a:r>
+            <a:r>
+              <a:rPr lang="en-US" dirty="0" err="1"/>
+              <a:t>смогут</a:t>
+            </a:r>
+            <a:r>
+              <a:rPr lang="en-US" dirty="0"/>
+              <a:t> </a:t>
+            </a:r>
+            <a:r>
+              <a:rPr lang="en-US" dirty="0" err="1"/>
+              <a:t>оценивать</a:t>
+            </a:r>
+            <a:r>
+              <a:rPr lang="en-US" dirty="0"/>
+              <a:t> </a:t>
+            </a:r>
+            <a:r>
+              <a:rPr lang="en-US" dirty="0" err="1"/>
+              <a:t>публичные</a:t>
+            </a:r>
+            <a:r>
+              <a:rPr lang="en-US" dirty="0"/>
+              <a:t> </a:t>
+            </a:r>
+            <a:r>
+              <a:rPr lang="en-US" dirty="0" err="1"/>
+              <a:t>пресеты</a:t>
+            </a:r>
+            <a:r>
+              <a:rPr lang="en-US" dirty="0"/>
+              <a:t> </a:t>
+            </a:r>
+            <a:r>
+              <a:rPr lang="en-US" dirty="0" err="1"/>
+              <a:t>других</a:t>
+            </a:r>
+            <a:r>
+              <a:rPr lang="en-US" dirty="0"/>
+              <a:t> </a:t>
+            </a:r>
+            <a:r>
+              <a:rPr lang="en-US" dirty="0" err="1"/>
+              <a:t>пользователей</a:t>
+            </a:r>
+            <a:r>
+              <a:rPr lang="en-US" dirty="0"/>
+              <a:t>.</a:t>
+            </a:r>
+            <a:endParaRPr lang="en-US" dirty="0">
+              <a:solidFill>
+                <a:srgbClr val="000000">
+                  <a:alpha val="60000"/>
+                </a:srgbClr>
+              </a:solidFill>
+            </a:endParaRPr>
+          </a:p>
+          <a:p>
+            <a:pPr marL="359410" indent="-359410"/>
+            <a:r>
+              <a:rPr lang="en-US" dirty="0" err="1"/>
+              <a:t>Будет</a:t>
+            </a:r>
+            <a:r>
+              <a:rPr lang="en-US" dirty="0"/>
+              <a:t> </a:t>
+            </a:r>
+            <a:r>
+              <a:rPr lang="en-US" dirty="0" err="1"/>
+              <a:t>реализована</a:t>
+            </a:r>
+            <a:r>
+              <a:rPr lang="en-US" dirty="0"/>
+              <a:t> </a:t>
+            </a:r>
+            <a:r>
+              <a:rPr lang="en-US" dirty="0" err="1"/>
+              <a:t>поисковая</a:t>
+            </a:r>
+            <a:r>
+              <a:rPr lang="en-US" dirty="0"/>
+              <a:t> </a:t>
+            </a:r>
+            <a:r>
+              <a:rPr lang="en-US" dirty="0" err="1"/>
+              <a:t>система</a:t>
+            </a:r>
+            <a:r>
+              <a:rPr lang="en-US" dirty="0"/>
+              <a:t> с </a:t>
+            </a:r>
+            <a:r>
+              <a:rPr lang="en-US" dirty="0" err="1"/>
+              <a:t>помощью</a:t>
+            </a:r>
+            <a:r>
+              <a:rPr lang="en-US" dirty="0"/>
+              <a:t> </a:t>
+            </a:r>
+            <a:r>
+              <a:rPr lang="en-US" dirty="0" err="1"/>
+              <a:t>ключевых</a:t>
+            </a:r>
+            <a:r>
+              <a:rPr lang="en-US" dirty="0"/>
+              <a:t> </a:t>
+            </a:r>
+            <a:r>
+              <a:rPr lang="en-US" dirty="0" err="1"/>
+              <a:t>слов</a:t>
+            </a:r>
+            <a:r>
+              <a:rPr lang="en-US" dirty="0"/>
+              <a:t> и </a:t>
+            </a:r>
+            <a:r>
+              <a:rPr lang="en-US" dirty="0" err="1"/>
+              <a:t>фильтров</a:t>
+            </a:r>
+            <a:r>
+              <a:rPr lang="en-US" dirty="0"/>
+              <a:t>.</a:t>
+            </a:r>
+            <a:endParaRPr lang="en-US" dirty="0">
+              <a:solidFill>
+                <a:srgbClr val="000000">
+                  <a:alpha val="60000"/>
+                </a:srgbClr>
+              </a:solidFill>
+            </a:endParaRPr>
+          </a:p>
+          <a:p>
+            <a:pPr marL="359410" indent="-359410"/>
+            <a:endParaRPr lang="en-US" dirty="0">
+              <a:solidFill>
+                <a:srgbClr val="000000">
+                  <a:alpha val="60000"/>
+                </a:srgbClr>
+              </a:solidFill>
+            </a:endParaRPr>
+          </a:p>
+        </p:txBody>
+      </p:sp>
+      <p:sp>
+        <p:nvSpPr>
+          <p:cNvPr id="15" name="Rectangle 14">
+            <a:extLst>
+              <a:ext uri="{FF2B5EF4-FFF2-40B4-BE49-F238E27FC236}">
+                <a16:creationId xmlns:a16="http://schemas.microsoft.com/office/drawing/2014/main" id="{E95A6F56-5B66-4656-B01E-938834D6A329}"/>
+              </a:ext>
+              <a:ext uri="{C183D7F6-B498-43B3-948B-1728B52AA6E4}">
+                <adec:decorative xmlns:adec="http://schemas.microsoft.com/office/drawing/2017/decorative" val="1"/>
+              </a:ext>
+            </a:extLst>
+          </p:cNvPr>
+          <p:cNvSpPr>
+            <a:spLocks noGrp="1" noRot="1" noChangeAspect="1" noMove="1" noResize="1" noEditPoints="1" noAdjustHandles="1" noChangeArrowheads="1" noChangeShapeType="1" noTextEdit="1"/>
+          </p:cNvSpPr>
+          <p:nvPr>
+            <p:extLst>
+              <p:ext uri="{386F3935-93C4-4BCD-93E2-E3B085C9AB24}">
+                <p16:designElem xmlns:p16="http://schemas.microsoft.com/office/powerpoint/2015/main" val="1"/>
+              </p:ext>
+            </p:extLst>
+          </p:nvPr>
+        </p:nvSpPr>
+        <p:spPr>
+          <a:xfrm>
+            <a:off x="6096000" y="0"/>
+            <a:ext cx="6096000" cy="6858000"/>
+          </a:xfrm>
+          <a:prstGeom prst="rect">
+            <a:avLst/>
+          </a:prstGeom>
+          <a:solidFill>
+            <a:srgbClr val="FFFFFF"/>
+          </a:solidFill>
+          <a:ln w="12700" cap="flat" cmpd="sng" algn="ctr">
+            <a:noFill/>
+            <a:prstDash val="solid"/>
+            <a:miter lim="800000"/>
+          </a:ln>
+          <a:effectLst/>
+        </p:spPr>
+        <p:style>
+          <a:lnRef idx="2">
+            <a:schemeClr val="accent1">
+              <a:shade val="50000"/>
+            </a:schemeClr>
+          </a:lnRef>
+          <a:fillRef idx="1">
+            <a:schemeClr val="accent1"/>
+          </a:fillRef>
+          <a:effectRef idx="0">
+            <a:schemeClr val="accent1"/>
+          </a:effectRef>
+          <a:fontRef idx="minor">
+            <a:schemeClr val="lt1"/>
+          </a:fontRef>
+        </p:style>
+        <p:txBody>
+          <a:bodyPr rtlCol="0" anchor="ctr"/>
+          <a:lstStyle/>
+          <a:p>
+            <a:pPr algn="ctr"/>
+            <a:endParaRPr lang="en-US">
+              <a:solidFill>
+                <a:schemeClr val="bg1">
+                  <a:alpha val="20000"/>
+                </a:schemeClr>
+              </a:solidFill>
+            </a:endParaRPr>
           </a:p>
         </p:txBody>
       </p:sp>
@@ -7028,11 +7546,9 @@
             </a:extLst>
           </p:cNvPr>
           <p:cNvPicPr>
-            <a:picLocks noGrp="1" noChangeAspect="1"/>
+            <a:picLocks noChangeAspect="1"/>
           </p:cNvPicPr>
-          <p:nvPr>
-            <p:ph idx="1"/>
-          </p:nvPr>
+          <p:nvPr/>
         </p:nvPicPr>
         <p:blipFill>
           <a:blip r:embed="rId2"/>
@@ -7042,9 +7558,12 @@
         </p:blipFill>
         <p:spPr>
           <a:xfrm>
-            <a:off x="3700066" y="1262592"/>
-            <a:ext cx="5829035" cy="5341941"/>
+            <a:off x="6651127" y="1140225"/>
+            <a:ext cx="4999885" cy="4574894"/>
           </a:xfrm>
+          <a:prstGeom prst="rect">
+            <a:avLst/>
+          </a:prstGeom>
         </p:spPr>
       </p:pic>
     </p:spTree>
